--- a/legends.pptx
+++ b/legends.pptx
@@ -6,10 +6,11 @@
   </p:sldMasterIdLst>
   <p:sldIdLst>
     <p:sldId id="256" r:id="rId2"/>
-    <p:sldId id="257" r:id="rId3"/>
-    <p:sldId id="259" r:id="rId4"/>
-    <p:sldId id="260" r:id="rId5"/>
-    <p:sldId id="258" r:id="rId6"/>
+    <p:sldId id="261" r:id="rId3"/>
+    <p:sldId id="257" r:id="rId4"/>
+    <p:sldId id="259" r:id="rId5"/>
+    <p:sldId id="260" r:id="rId6"/>
+    <p:sldId id="258" r:id="rId7"/>
   </p:sldIdLst>
   <p:sldSz cx="12192000" cy="6858000"/>
   <p:notesSz cx="6858000" cy="9144000"/>
@@ -263,7 +264,7 @@
           <a:p>
             <a:fld id="{5BDD9600-5756-467D-BC52-A375B0F76995}" type="datetimeFigureOut">
               <a:rPr lang="en-US" smtClean="0"/>
-              <a:t>5/31/2024</a:t>
+              <a:t>9/9/2024</a:t>
             </a:fld>
             <a:endParaRPr lang="en-US"/>
           </a:p>
@@ -461,7 +462,7 @@
           <a:p>
             <a:fld id="{5BDD9600-5756-467D-BC52-A375B0F76995}" type="datetimeFigureOut">
               <a:rPr lang="en-US" smtClean="0"/>
-              <a:t>5/31/2024</a:t>
+              <a:t>9/9/2024</a:t>
             </a:fld>
             <a:endParaRPr lang="en-US"/>
           </a:p>
@@ -669,7 +670,7 @@
           <a:p>
             <a:fld id="{5BDD9600-5756-467D-BC52-A375B0F76995}" type="datetimeFigureOut">
               <a:rPr lang="en-US" smtClean="0"/>
-              <a:t>5/31/2024</a:t>
+              <a:t>9/9/2024</a:t>
             </a:fld>
             <a:endParaRPr lang="en-US"/>
           </a:p>
@@ -867,7 +868,7 @@
           <a:p>
             <a:fld id="{5BDD9600-5756-467D-BC52-A375B0F76995}" type="datetimeFigureOut">
               <a:rPr lang="en-US" smtClean="0"/>
-              <a:t>5/31/2024</a:t>
+              <a:t>9/9/2024</a:t>
             </a:fld>
             <a:endParaRPr lang="en-US"/>
           </a:p>
@@ -1142,7 +1143,7 @@
           <a:p>
             <a:fld id="{5BDD9600-5756-467D-BC52-A375B0F76995}" type="datetimeFigureOut">
               <a:rPr lang="en-US" smtClean="0"/>
-              <a:t>5/31/2024</a:t>
+              <a:t>9/9/2024</a:t>
             </a:fld>
             <a:endParaRPr lang="en-US"/>
           </a:p>
@@ -1407,7 +1408,7 @@
           <a:p>
             <a:fld id="{5BDD9600-5756-467D-BC52-A375B0F76995}" type="datetimeFigureOut">
               <a:rPr lang="en-US" smtClean="0"/>
-              <a:t>5/31/2024</a:t>
+              <a:t>9/9/2024</a:t>
             </a:fld>
             <a:endParaRPr lang="en-US"/>
           </a:p>
@@ -1819,7 +1820,7 @@
           <a:p>
             <a:fld id="{5BDD9600-5756-467D-BC52-A375B0F76995}" type="datetimeFigureOut">
               <a:rPr lang="en-US" smtClean="0"/>
-              <a:t>5/31/2024</a:t>
+              <a:t>9/9/2024</a:t>
             </a:fld>
             <a:endParaRPr lang="en-US"/>
           </a:p>
@@ -1960,7 +1961,7 @@
           <a:p>
             <a:fld id="{5BDD9600-5756-467D-BC52-A375B0F76995}" type="datetimeFigureOut">
               <a:rPr lang="en-US" smtClean="0"/>
-              <a:t>5/31/2024</a:t>
+              <a:t>9/9/2024</a:t>
             </a:fld>
             <a:endParaRPr lang="en-US"/>
           </a:p>
@@ -2073,7 +2074,7 @@
           <a:p>
             <a:fld id="{5BDD9600-5756-467D-BC52-A375B0F76995}" type="datetimeFigureOut">
               <a:rPr lang="en-US" smtClean="0"/>
-              <a:t>5/31/2024</a:t>
+              <a:t>9/9/2024</a:t>
             </a:fld>
             <a:endParaRPr lang="en-US"/>
           </a:p>
@@ -2384,7 +2385,7 @@
           <a:p>
             <a:fld id="{5BDD9600-5756-467D-BC52-A375B0F76995}" type="datetimeFigureOut">
               <a:rPr lang="en-US" smtClean="0"/>
-              <a:t>5/31/2024</a:t>
+              <a:t>9/9/2024</a:t>
             </a:fld>
             <a:endParaRPr lang="en-US"/>
           </a:p>
@@ -2672,7 +2673,7 @@
           <a:p>
             <a:fld id="{5BDD9600-5756-467D-BC52-A375B0F76995}" type="datetimeFigureOut">
               <a:rPr lang="en-US" smtClean="0"/>
-              <a:t>5/31/2024</a:t>
+              <a:t>9/9/2024</a:t>
             </a:fld>
             <a:endParaRPr lang="en-US"/>
           </a:p>
@@ -2913,7 +2914,7 @@
           <a:p>
             <a:fld id="{5BDD9600-5756-467D-BC52-A375B0F76995}" type="datetimeFigureOut">
               <a:rPr lang="en-US" smtClean="0"/>
-              <a:t>5/31/2024</a:t>
+              <a:t>9/9/2024</a:t>
             </a:fld>
             <a:endParaRPr lang="en-US"/>
           </a:p>
@@ -4008,6 +4009,1256 @@
           <a:chExt cx="0" cy="0"/>
         </a:xfrm>
       </p:grpSpPr>
+      <p:sp>
+        <p:nvSpPr>
+          <p:cNvPr id="5" name="Isosceles Triangle 4">
+            <a:extLst>
+              <a:ext uri="{FF2B5EF4-FFF2-40B4-BE49-F238E27FC236}">
+                <a16:creationId xmlns:a16="http://schemas.microsoft.com/office/drawing/2014/main" id="{D32CA040-AF00-43E2-9386-145DC329A58C}"/>
+              </a:ext>
+            </a:extLst>
+          </p:cNvPr>
+          <p:cNvSpPr/>
+          <p:nvPr/>
+        </p:nvSpPr>
+        <p:spPr>
+          <a:xfrm>
+            <a:off x="2686078" y="2833305"/>
+            <a:ext cx="323281" cy="286266"/>
+          </a:xfrm>
+          <a:prstGeom prst="triangle">
+            <a:avLst/>
+          </a:prstGeom>
+          <a:solidFill>
+            <a:srgbClr val="8C2A8D"/>
+          </a:solidFill>
+          <a:ln w="9525">
+            <a:solidFill>
+              <a:schemeClr val="tx1"/>
+            </a:solidFill>
+          </a:ln>
+        </p:spPr>
+        <p:style>
+          <a:lnRef idx="2">
+            <a:schemeClr val="accent1">
+              <a:shade val="50000"/>
+            </a:schemeClr>
+          </a:lnRef>
+          <a:fillRef idx="1">
+            <a:schemeClr val="accent1"/>
+          </a:fillRef>
+          <a:effectRef idx="0">
+            <a:schemeClr val="accent1"/>
+          </a:effectRef>
+          <a:fontRef idx="minor">
+            <a:schemeClr val="lt1"/>
+          </a:fontRef>
+        </p:style>
+        <p:txBody>
+          <a:bodyPr rtlCol="0" anchor="ctr"/>
+          <a:lstStyle/>
+          <a:p>
+            <a:pPr algn="ctr"/>
+            <a:endParaRPr lang="en-US"/>
+          </a:p>
+        </p:txBody>
+      </p:sp>
+      <p:grpSp>
+        <p:nvGrpSpPr>
+          <p:cNvPr id="6" name="Group 5">
+            <a:extLst>
+              <a:ext uri="{FF2B5EF4-FFF2-40B4-BE49-F238E27FC236}">
+                <a16:creationId xmlns:a16="http://schemas.microsoft.com/office/drawing/2014/main" id="{AE96E378-14A9-472E-9554-FE72F0AE93A0}"/>
+              </a:ext>
+            </a:extLst>
+          </p:cNvPr>
+          <p:cNvGrpSpPr/>
+          <p:nvPr/>
+        </p:nvGrpSpPr>
+        <p:grpSpPr>
+          <a:xfrm>
+            <a:off x="2714171" y="3221114"/>
+            <a:ext cx="284053" cy="286267"/>
+            <a:chOff x="10567358" y="4666873"/>
+            <a:chExt cx="444262" cy="420754"/>
+          </a:xfrm>
+        </p:grpSpPr>
+        <p:cxnSp>
+          <p:nvCxnSpPr>
+            <p:cNvPr id="7" name="Straight Connector 6">
+              <a:extLst>
+                <a:ext uri="{FF2B5EF4-FFF2-40B4-BE49-F238E27FC236}">
+                  <a16:creationId xmlns:a16="http://schemas.microsoft.com/office/drawing/2014/main" id="{57FA4B15-BA0D-43C1-B393-8BA5DFB7EE39}"/>
+                </a:ext>
+              </a:extLst>
+            </p:cNvPr>
+            <p:cNvCxnSpPr>
+              <a:cxnSpLocks/>
+            </p:cNvCxnSpPr>
+            <p:nvPr/>
+          </p:nvCxnSpPr>
+          <p:spPr>
+            <a:xfrm>
+              <a:off x="10567358" y="4666873"/>
+              <a:ext cx="444262" cy="420754"/>
+            </a:xfrm>
+            <a:prstGeom prst="line">
+              <a:avLst/>
+            </a:prstGeom>
+            <a:ln w="28575">
+              <a:solidFill>
+                <a:srgbClr val="8E0705"/>
+              </a:solidFill>
+            </a:ln>
+          </p:spPr>
+          <p:style>
+            <a:lnRef idx="1">
+              <a:schemeClr val="accent1"/>
+            </a:lnRef>
+            <a:fillRef idx="0">
+              <a:schemeClr val="accent1"/>
+            </a:fillRef>
+            <a:effectRef idx="0">
+              <a:schemeClr val="accent1"/>
+            </a:effectRef>
+            <a:fontRef idx="minor">
+              <a:schemeClr val="tx1"/>
+            </a:fontRef>
+          </p:style>
+        </p:cxnSp>
+        <p:cxnSp>
+          <p:nvCxnSpPr>
+            <p:cNvPr id="8" name="Straight Connector 7">
+              <a:extLst>
+                <a:ext uri="{FF2B5EF4-FFF2-40B4-BE49-F238E27FC236}">
+                  <a16:creationId xmlns:a16="http://schemas.microsoft.com/office/drawing/2014/main" id="{C368F256-9BDC-4DE8-A058-3CA31307D0B3}"/>
+                </a:ext>
+              </a:extLst>
+            </p:cNvPr>
+            <p:cNvCxnSpPr>
+              <a:cxnSpLocks/>
+            </p:cNvCxnSpPr>
+            <p:nvPr/>
+          </p:nvCxnSpPr>
+          <p:spPr>
+            <a:xfrm flipV="1">
+              <a:off x="10567358" y="4666873"/>
+              <a:ext cx="444262" cy="420754"/>
+            </a:xfrm>
+            <a:prstGeom prst="line">
+              <a:avLst/>
+            </a:prstGeom>
+            <a:ln w="28575">
+              <a:solidFill>
+                <a:srgbClr val="8E0705"/>
+              </a:solidFill>
+            </a:ln>
+          </p:spPr>
+          <p:style>
+            <a:lnRef idx="1">
+              <a:schemeClr val="accent1"/>
+            </a:lnRef>
+            <a:fillRef idx="0">
+              <a:schemeClr val="accent1"/>
+            </a:fillRef>
+            <a:effectRef idx="0">
+              <a:schemeClr val="accent1"/>
+            </a:effectRef>
+            <a:fontRef idx="minor">
+              <a:schemeClr val="tx1"/>
+            </a:fontRef>
+          </p:style>
+        </p:cxnSp>
+      </p:grpSp>
+      <p:sp>
+        <p:nvSpPr>
+          <p:cNvPr id="13" name="Rectangle 12">
+            <a:extLst>
+              <a:ext uri="{FF2B5EF4-FFF2-40B4-BE49-F238E27FC236}">
+                <a16:creationId xmlns:a16="http://schemas.microsoft.com/office/drawing/2014/main" id="{8CF9A35D-BCB1-4234-9261-22FFD61AD3E9}"/>
+              </a:ext>
+            </a:extLst>
+          </p:cNvPr>
+          <p:cNvSpPr/>
+          <p:nvPr/>
+        </p:nvSpPr>
+        <p:spPr>
+          <a:xfrm>
+            <a:off x="3061903" y="547748"/>
+            <a:ext cx="864019" cy="369332"/>
+          </a:xfrm>
+          <a:prstGeom prst="rect">
+            <a:avLst/>
+          </a:prstGeom>
+        </p:spPr>
+        <p:txBody>
+          <a:bodyPr wrap="none">
+            <a:spAutoFit/>
+          </a:bodyPr>
+          <a:lstStyle/>
+          <a:p>
+            <a:r>
+              <a:rPr lang="en-US" b="1" dirty="0"/>
+              <a:t>Legend</a:t>
+            </a:r>
+          </a:p>
+        </p:txBody>
+      </p:sp>
+      <p:sp>
+        <p:nvSpPr>
+          <p:cNvPr id="19" name="Rectangle 18">
+            <a:extLst>
+              <a:ext uri="{FF2B5EF4-FFF2-40B4-BE49-F238E27FC236}">
+                <a16:creationId xmlns:a16="http://schemas.microsoft.com/office/drawing/2014/main" id="{93C02594-2380-40B2-A966-3DD20615740B}"/>
+              </a:ext>
+            </a:extLst>
+          </p:cNvPr>
+          <p:cNvSpPr/>
+          <p:nvPr/>
+        </p:nvSpPr>
+        <p:spPr>
+          <a:xfrm>
+            <a:off x="2690493" y="1023282"/>
+            <a:ext cx="307731" cy="298938"/>
+          </a:xfrm>
+          <a:prstGeom prst="rect">
+            <a:avLst/>
+          </a:prstGeom>
+          <a:solidFill>
+            <a:srgbClr val="758C66"/>
+          </a:solidFill>
+          <a:ln>
+            <a:solidFill>
+              <a:schemeClr val="tx1"/>
+            </a:solidFill>
+          </a:ln>
+        </p:spPr>
+        <p:style>
+          <a:lnRef idx="2">
+            <a:schemeClr val="accent1">
+              <a:shade val="50000"/>
+            </a:schemeClr>
+          </a:lnRef>
+          <a:fillRef idx="1">
+            <a:schemeClr val="accent1"/>
+          </a:fillRef>
+          <a:effectRef idx="0">
+            <a:schemeClr val="accent1"/>
+          </a:effectRef>
+          <a:fontRef idx="minor">
+            <a:schemeClr val="lt1"/>
+          </a:fontRef>
+        </p:style>
+        <p:txBody>
+          <a:bodyPr rtlCol="0" anchor="ctr"/>
+          <a:lstStyle/>
+          <a:p>
+            <a:pPr algn="ctr"/>
+            <a:endParaRPr lang="en-US"/>
+          </a:p>
+        </p:txBody>
+      </p:sp>
+      <p:graphicFrame>
+        <p:nvGraphicFramePr>
+          <p:cNvPr id="23" name="Table 22">
+            <a:extLst>
+              <a:ext uri="{FF2B5EF4-FFF2-40B4-BE49-F238E27FC236}">
+                <a16:creationId xmlns:a16="http://schemas.microsoft.com/office/drawing/2014/main" id="{2835577A-8D59-4EE0-9DB6-ABD5BF945A77}"/>
+              </a:ext>
+            </a:extLst>
+          </p:cNvPr>
+          <p:cNvGraphicFramePr>
+            <a:graphicFrameLocks noGrp="1"/>
+          </p:cNvGraphicFramePr>
+          <p:nvPr>
+            <p:extLst>
+              <p:ext uri="{D42A27DB-BD31-4B8C-83A1-F6EECF244321}">
+                <p14:modId xmlns:p14="http://schemas.microsoft.com/office/powerpoint/2010/main" val="1901428775"/>
+              </p:ext>
+            </p:extLst>
+          </p:nvPr>
+        </p:nvGraphicFramePr>
+        <p:xfrm>
+          <a:off x="6430113" y="319440"/>
+          <a:ext cx="8128000" cy="4539937"/>
+        </p:xfrm>
+        <a:graphic>
+          <a:graphicData uri="http://schemas.openxmlformats.org/drawingml/2006/table">
+            <a:tbl>
+              <a:tblPr firstRow="1" bandRow="1">
+                <a:tableStyleId>{5C22544A-7EE6-4342-B048-85BDC9FD1C3A}</a:tableStyleId>
+              </a:tblPr>
+              <a:tblGrid>
+                <a:gridCol w="8128000">
+                  <a:extLst>
+                    <a:ext uri="{9D8B030D-6E8A-4147-A177-3AD203B41FA5}">
+                      <a16:colId xmlns:a16="http://schemas.microsoft.com/office/drawing/2014/main" val="3443107341"/>
+                    </a:ext>
+                  </a:extLst>
+                </a:gridCol>
+              </a:tblGrid>
+              <a:tr h="0">
+                <a:tc>
+                  <a:txBody>
+                    <a:bodyPr/>
+                    <a:lstStyle/>
+                    <a:p>
+                      <a:r>
+                        <a:rPr lang="en-US" sz="1050" b="0" dirty="0">
+                          <a:solidFill>
+                            <a:sysClr val="windowText" lastClr="000000"/>
+                          </a:solidFill>
+                        </a:rPr>
+                        <a:t>Alcohol Retailer:</a:t>
+                      </a:r>
+                    </a:p>
+                    <a:p>
+                      <a:r>
+                        <a:rPr lang="en-US" sz="1050" b="0" dirty="0">
+                          <a:solidFill>
+                            <a:sysClr val="windowText" lastClr="000000"/>
+                          </a:solidFill>
+                        </a:rPr>
+                        <a:t>On-Premise</a:t>
+                      </a:r>
+                    </a:p>
+                  </a:txBody>
+                  <a:tcPr>
+                    <a:lnL w="12700" cmpd="sng">
+                      <a:noFill/>
+                    </a:lnL>
+                    <a:lnR w="12700" cmpd="sng">
+                      <a:noFill/>
+                    </a:lnR>
+                    <a:lnT w="12700" cmpd="sng">
+                      <a:noFill/>
+                    </a:lnT>
+                    <a:lnB w="38100" cmpd="sng">
+                      <a:noFill/>
+                    </a:lnB>
+                    <a:lnTlToBr w="12700" cmpd="sng">
+                      <a:noFill/>
+                      <a:prstDash val="solid"/>
+                    </a:lnTlToBr>
+                    <a:lnBlToTr w="12700" cmpd="sng">
+                      <a:noFill/>
+                      <a:prstDash val="solid"/>
+                    </a:lnBlToTr>
+                    <a:noFill/>
+                  </a:tcPr>
+                </a:tc>
+                <a:extLst>
+                  <a:ext uri="{0D108BD9-81ED-4DB2-BD59-A6C34878D82A}">
+                    <a16:rowId xmlns:a16="http://schemas.microsoft.com/office/drawing/2014/main" val="435831935"/>
+                  </a:ext>
+                </a:extLst>
+              </a:tr>
+              <a:tr h="368135">
+                <a:tc>
+                  <a:txBody>
+                    <a:bodyPr/>
+                    <a:lstStyle/>
+                    <a:p>
+                      <a:r>
+                        <a:rPr lang="en-US" sz="1050" dirty="0"/>
+                        <a:t>Alcohol Retailer: </a:t>
+                      </a:r>
+                    </a:p>
+                    <a:p>
+                      <a:r>
+                        <a:rPr lang="en-US" sz="1050" dirty="0"/>
+                        <a:t>Off-Premise</a:t>
+                      </a:r>
+                    </a:p>
+                  </a:txBody>
+                  <a:tcPr>
+                    <a:lnT w="38100" cmpd="sng">
+                      <a:noFill/>
+                    </a:lnT>
+                    <a:noFill/>
+                  </a:tcPr>
+                </a:tc>
+                <a:extLst>
+                  <a:ext uri="{0D108BD9-81ED-4DB2-BD59-A6C34878D82A}">
+                    <a16:rowId xmlns:a16="http://schemas.microsoft.com/office/drawing/2014/main" val="381597789"/>
+                  </a:ext>
+                </a:extLst>
+              </a:tr>
+              <a:tr h="570016">
+                <a:tc>
+                  <a:txBody>
+                    <a:bodyPr/>
+                    <a:lstStyle/>
+                    <a:p>
+                      <a:r>
+                        <a:rPr lang="en-US" dirty="0"/>
+                        <a:t>Schools</a:t>
+                      </a:r>
+                    </a:p>
+                  </a:txBody>
+                  <a:tcPr>
+                    <a:noFill/>
+                  </a:tcPr>
+                </a:tc>
+                <a:extLst>
+                  <a:ext uri="{0D108BD9-81ED-4DB2-BD59-A6C34878D82A}">
+                    <a16:rowId xmlns:a16="http://schemas.microsoft.com/office/drawing/2014/main" val="1721346873"/>
+                  </a:ext>
+                </a:extLst>
+              </a:tr>
+              <a:tr h="403761">
+                <a:tc>
+                  <a:txBody>
+                    <a:bodyPr/>
+                    <a:lstStyle/>
+                    <a:p>
+                      <a:r>
+                        <a:rPr lang="en-US" dirty="0"/>
+                        <a:t>OWI Crashes</a:t>
+                      </a:r>
+                    </a:p>
+                  </a:txBody>
+                  <a:tcPr>
+                    <a:noFill/>
+                  </a:tcPr>
+                </a:tc>
+                <a:extLst>
+                  <a:ext uri="{0D108BD9-81ED-4DB2-BD59-A6C34878D82A}">
+                    <a16:rowId xmlns:a16="http://schemas.microsoft.com/office/drawing/2014/main" val="4169806888"/>
+                  </a:ext>
+                </a:extLst>
+              </a:tr>
+              <a:tr h="533820">
+                <a:tc>
+                  <a:txBody>
+                    <a:bodyPr/>
+                    <a:lstStyle/>
+                    <a:p>
+                      <a:r>
+                        <a:rPr lang="en-US" dirty="0"/>
+                        <a:t>Tobacco Retailer: </a:t>
+                      </a:r>
+                    </a:p>
+                    <a:p>
+                      <a:r>
+                        <a:rPr lang="en-US" dirty="0"/>
+                        <a:t>Sale to Minor</a:t>
+                      </a:r>
+                    </a:p>
+                  </a:txBody>
+                  <a:tcPr>
+                    <a:noFill/>
+                  </a:tcPr>
+                </a:tc>
+                <a:extLst>
+                  <a:ext uri="{0D108BD9-81ED-4DB2-BD59-A6C34878D82A}">
+                    <a16:rowId xmlns:a16="http://schemas.microsoft.com/office/drawing/2014/main" val="3271242622"/>
+                  </a:ext>
+                </a:extLst>
+              </a:tr>
+              <a:tr h="370840">
+                <a:tc>
+                  <a:txBody>
+                    <a:bodyPr/>
+                    <a:lstStyle/>
+                    <a:p>
+                      <a:pPr>
+                        <a:lnSpc>
+                          <a:spcPct val="100000"/>
+                        </a:lnSpc>
+                        <a:spcBef>
+                          <a:spcPts val="0"/>
+                        </a:spcBef>
+                        <a:spcAft>
+                          <a:spcPts val="0"/>
+                        </a:spcAft>
+                      </a:pPr>
+                      <a:r>
+                        <a:rPr lang="en-US" dirty="0"/>
+                        <a:t>Tobacco Retailer</a:t>
+                      </a:r>
+                    </a:p>
+                    <a:p>
+                      <a:pPr>
+                        <a:lnSpc>
+                          <a:spcPct val="100000"/>
+                        </a:lnSpc>
+                        <a:spcBef>
+                          <a:spcPts val="0"/>
+                        </a:spcBef>
+                        <a:spcAft>
+                          <a:spcPts val="0"/>
+                        </a:spcAft>
+                      </a:pPr>
+                      <a:endParaRPr lang="en-US" sz="800" dirty="0"/>
+                    </a:p>
+                    <a:p>
+                      <a:pPr marL="0" marR="0" lvl="0" indent="0" algn="l" defTabSz="914400" rtl="0" eaLnBrk="1" fontAlgn="auto" latinLnBrk="0" hangingPunct="1">
+                        <a:lnSpc>
+                          <a:spcPct val="100000"/>
+                        </a:lnSpc>
+                        <a:spcBef>
+                          <a:spcPts val="0"/>
+                        </a:spcBef>
+                        <a:spcAft>
+                          <a:spcPts val="0"/>
+                        </a:spcAft>
+                        <a:buClrTx/>
+                        <a:buSzTx/>
+                        <a:buFontTx/>
+                        <a:buNone/>
+                        <a:tabLst/>
+                        <a:defRPr/>
+                      </a:pPr>
+                      <a:r>
+                        <a:rPr lang="en-US" dirty="0"/>
+                        <a:t>Violence CFS </a:t>
+                      </a:r>
+                    </a:p>
+                    <a:p>
+                      <a:pPr>
+                        <a:lnSpc>
+                          <a:spcPct val="100000"/>
+                        </a:lnSpc>
+                        <a:spcBef>
+                          <a:spcPts val="0"/>
+                        </a:spcBef>
+                        <a:spcAft>
+                          <a:spcPts val="0"/>
+                        </a:spcAft>
+                      </a:pPr>
+                      <a:endParaRPr lang="en-US" sz="800" dirty="0"/>
+                    </a:p>
+                    <a:p>
+                      <a:pPr>
+                        <a:lnSpc>
+                          <a:spcPct val="100000"/>
+                        </a:lnSpc>
+                        <a:spcBef>
+                          <a:spcPts val="0"/>
+                        </a:spcBef>
+                        <a:spcAft>
+                          <a:spcPts val="0"/>
+                        </a:spcAft>
+                      </a:pPr>
+                      <a:r>
+                        <a:rPr lang="en-US" dirty="0"/>
+                        <a:t>Family CFS</a:t>
+                      </a:r>
+                    </a:p>
+                    <a:p>
+                      <a:pPr>
+                        <a:lnSpc>
+                          <a:spcPct val="100000"/>
+                        </a:lnSpc>
+                        <a:spcBef>
+                          <a:spcPts val="0"/>
+                        </a:spcBef>
+                        <a:spcAft>
+                          <a:spcPts val="0"/>
+                        </a:spcAft>
+                      </a:pPr>
+                      <a:endParaRPr lang="en-US" sz="800" dirty="0"/>
+                    </a:p>
+                    <a:p>
+                      <a:pPr>
+                        <a:lnSpc>
+                          <a:spcPct val="100000"/>
+                        </a:lnSpc>
+                        <a:spcBef>
+                          <a:spcPts val="0"/>
+                        </a:spcBef>
+                        <a:spcAft>
+                          <a:spcPts val="0"/>
+                        </a:spcAft>
+                      </a:pPr>
+                      <a:r>
+                        <a:rPr lang="en-US" dirty="0"/>
+                        <a:t>Substance CFS</a:t>
+                      </a:r>
+                    </a:p>
+                    <a:p>
+                      <a:endParaRPr lang="en-US" dirty="0"/>
+                    </a:p>
+                    <a:p>
+                      <a:r>
+                        <a:rPr lang="en-US" dirty="0"/>
+                        <a:t>=</a:t>
+                      </a:r>
+                    </a:p>
+                  </a:txBody>
+                  <a:tcPr>
+                    <a:noFill/>
+                  </a:tcPr>
+                </a:tc>
+                <a:extLst>
+                  <a:ext uri="{0D108BD9-81ED-4DB2-BD59-A6C34878D82A}">
+                    <a16:rowId xmlns:a16="http://schemas.microsoft.com/office/drawing/2014/main" val="2297717130"/>
+                  </a:ext>
+                </a:extLst>
+              </a:tr>
+            </a:tbl>
+          </a:graphicData>
+        </a:graphic>
+      </p:graphicFrame>
+      <p:sp>
+        <p:nvSpPr>
+          <p:cNvPr id="2" name="TextBox 1">
+            <a:extLst>
+              <a:ext uri="{FF2B5EF4-FFF2-40B4-BE49-F238E27FC236}">
+                <a16:creationId xmlns:a16="http://schemas.microsoft.com/office/drawing/2014/main" id="{D6588015-C2FA-4B2D-98AB-2CCDA549C758}"/>
+              </a:ext>
+            </a:extLst>
+          </p:cNvPr>
+          <p:cNvSpPr txBox="1"/>
+          <p:nvPr/>
+        </p:nvSpPr>
+        <p:spPr>
+          <a:xfrm>
+            <a:off x="356260" y="344384"/>
+            <a:ext cx="2992582" cy="369332"/>
+          </a:xfrm>
+          <a:prstGeom prst="rect">
+            <a:avLst/>
+          </a:prstGeom>
+          <a:noFill/>
+        </p:spPr>
+        <p:txBody>
+          <a:bodyPr wrap="square" rtlCol="0">
+            <a:spAutoFit/>
+          </a:bodyPr>
+          <a:lstStyle/>
+          <a:p>
+            <a:r>
+              <a:rPr lang="en-US" dirty="0"/>
+              <a:t>Jones Legend </a:t>
+            </a:r>
+          </a:p>
+        </p:txBody>
+      </p:sp>
+      <p:sp>
+        <p:nvSpPr>
+          <p:cNvPr id="14" name="Oval 13">
+            <a:extLst>
+              <a:ext uri="{FF2B5EF4-FFF2-40B4-BE49-F238E27FC236}">
+                <a16:creationId xmlns:a16="http://schemas.microsoft.com/office/drawing/2014/main" id="{F9855770-D015-4FB4-BE31-EB7F959A0CD3}"/>
+              </a:ext>
+            </a:extLst>
+          </p:cNvPr>
+          <p:cNvSpPr/>
+          <p:nvPr/>
+        </p:nvSpPr>
+        <p:spPr>
+          <a:xfrm>
+            <a:off x="2720912" y="3622752"/>
+            <a:ext cx="260158" cy="260381"/>
+          </a:xfrm>
+          <a:prstGeom prst="ellipse">
+            <a:avLst/>
+          </a:prstGeom>
+          <a:solidFill>
+            <a:srgbClr val="1C9D77"/>
+          </a:solidFill>
+          <a:ln>
+            <a:solidFill>
+              <a:schemeClr val="tx1"/>
+            </a:solidFill>
+          </a:ln>
+        </p:spPr>
+        <p:style>
+          <a:lnRef idx="2">
+            <a:schemeClr val="accent1">
+              <a:shade val="50000"/>
+            </a:schemeClr>
+          </a:lnRef>
+          <a:fillRef idx="1">
+            <a:schemeClr val="accent1"/>
+          </a:fillRef>
+          <a:effectRef idx="0">
+            <a:schemeClr val="accent1"/>
+          </a:effectRef>
+          <a:fontRef idx="minor">
+            <a:schemeClr val="lt1"/>
+          </a:fontRef>
+        </p:style>
+        <p:txBody>
+          <a:bodyPr rtlCol="0" anchor="ctr"/>
+          <a:lstStyle/>
+          <a:p>
+            <a:pPr algn="ctr"/>
+            <a:endParaRPr lang="en-US"/>
+          </a:p>
+        </p:txBody>
+      </p:sp>
+      <p:sp>
+        <p:nvSpPr>
+          <p:cNvPr id="15" name="Oval 14">
+            <a:extLst>
+              <a:ext uri="{FF2B5EF4-FFF2-40B4-BE49-F238E27FC236}">
+                <a16:creationId xmlns:a16="http://schemas.microsoft.com/office/drawing/2014/main" id="{7E119002-6C50-4CA7-84FA-975EB1D65190}"/>
+              </a:ext>
+            </a:extLst>
+          </p:cNvPr>
+          <p:cNvSpPr/>
+          <p:nvPr/>
+        </p:nvSpPr>
+        <p:spPr>
+          <a:xfrm>
+            <a:off x="2724589" y="3968458"/>
+            <a:ext cx="260158" cy="260381"/>
+          </a:xfrm>
+          <a:prstGeom prst="ellipse">
+            <a:avLst/>
+          </a:prstGeom>
+          <a:solidFill>
+            <a:srgbClr val="615D94"/>
+          </a:solidFill>
+          <a:ln>
+            <a:solidFill>
+              <a:schemeClr val="tx1"/>
+            </a:solidFill>
+          </a:ln>
+        </p:spPr>
+        <p:style>
+          <a:lnRef idx="2">
+            <a:schemeClr val="accent1">
+              <a:shade val="50000"/>
+            </a:schemeClr>
+          </a:lnRef>
+          <a:fillRef idx="1">
+            <a:schemeClr val="accent1"/>
+          </a:fillRef>
+          <a:effectRef idx="0">
+            <a:schemeClr val="accent1"/>
+          </a:effectRef>
+          <a:fontRef idx="minor">
+            <a:schemeClr val="lt1"/>
+          </a:fontRef>
+        </p:style>
+        <p:txBody>
+          <a:bodyPr rtlCol="0" anchor="ctr"/>
+          <a:lstStyle/>
+          <a:p>
+            <a:pPr algn="ctr"/>
+            <a:endParaRPr lang="en-US"/>
+          </a:p>
+        </p:txBody>
+      </p:sp>
+      <p:sp>
+        <p:nvSpPr>
+          <p:cNvPr id="16" name="Oval 15">
+            <a:extLst>
+              <a:ext uri="{FF2B5EF4-FFF2-40B4-BE49-F238E27FC236}">
+                <a16:creationId xmlns:a16="http://schemas.microsoft.com/office/drawing/2014/main" id="{F53C6D38-D056-4A8D-A5F0-3ECEEC152F61}"/>
+              </a:ext>
+            </a:extLst>
+          </p:cNvPr>
+          <p:cNvSpPr/>
+          <p:nvPr/>
+        </p:nvSpPr>
+        <p:spPr>
+          <a:xfrm>
+            <a:off x="2728943" y="4304668"/>
+            <a:ext cx="260158" cy="260381"/>
+          </a:xfrm>
+          <a:prstGeom prst="ellipse">
+            <a:avLst/>
+          </a:prstGeom>
+          <a:solidFill>
+            <a:srgbClr val="CC5600"/>
+          </a:solidFill>
+          <a:ln>
+            <a:solidFill>
+              <a:schemeClr val="tx1"/>
+            </a:solidFill>
+          </a:ln>
+        </p:spPr>
+        <p:style>
+          <a:lnRef idx="2">
+            <a:schemeClr val="accent1">
+              <a:shade val="50000"/>
+            </a:schemeClr>
+          </a:lnRef>
+          <a:fillRef idx="1">
+            <a:schemeClr val="accent1"/>
+          </a:fillRef>
+          <a:effectRef idx="0">
+            <a:schemeClr val="accent1"/>
+          </a:effectRef>
+          <a:fontRef idx="minor">
+            <a:schemeClr val="lt1"/>
+          </a:fontRef>
+        </p:style>
+        <p:txBody>
+          <a:bodyPr rtlCol="0" anchor="ctr"/>
+          <a:lstStyle/>
+          <a:p>
+            <a:pPr algn="ctr"/>
+            <a:endParaRPr lang="en-US" dirty="0"/>
+          </a:p>
+        </p:txBody>
+      </p:sp>
+      <p:sp>
+        <p:nvSpPr>
+          <p:cNvPr id="10" name="TextBox 9">
+            <a:extLst>
+              <a:ext uri="{FF2B5EF4-FFF2-40B4-BE49-F238E27FC236}">
+                <a16:creationId xmlns:a16="http://schemas.microsoft.com/office/drawing/2014/main" id="{F6229B5D-7122-444E-A0CA-7129F49171F6}"/>
+              </a:ext>
+            </a:extLst>
+          </p:cNvPr>
+          <p:cNvSpPr txBox="1"/>
+          <p:nvPr/>
+        </p:nvSpPr>
+        <p:spPr>
+          <a:xfrm>
+            <a:off x="3064961" y="917080"/>
+            <a:ext cx="1721922" cy="3785652"/>
+          </a:xfrm>
+          <a:prstGeom prst="rect">
+            <a:avLst/>
+          </a:prstGeom>
+          <a:noFill/>
+        </p:spPr>
+        <p:txBody>
+          <a:bodyPr wrap="square" rtlCol="0">
+            <a:spAutoFit/>
+          </a:bodyPr>
+          <a:lstStyle/>
+          <a:p>
+            <a:r>
+              <a:rPr lang="en-US" sz="1600" dirty="0">
+                <a:solidFill>
+                  <a:sysClr val="windowText" lastClr="000000"/>
+                </a:solidFill>
+              </a:rPr>
+              <a:t>Alcohol Retailer:</a:t>
+            </a:r>
+          </a:p>
+          <a:p>
+            <a:r>
+              <a:rPr lang="en-US" sz="1600" dirty="0">
+                <a:solidFill>
+                  <a:sysClr val="windowText" lastClr="000000"/>
+                </a:solidFill>
+              </a:rPr>
+              <a:t>On-Premise</a:t>
+            </a:r>
+          </a:p>
+          <a:p>
+            <a:endParaRPr lang="en-US" sz="200" dirty="0">
+              <a:solidFill>
+                <a:sysClr val="windowText" lastClr="000000"/>
+              </a:solidFill>
+            </a:endParaRPr>
+          </a:p>
+          <a:p>
+            <a:r>
+              <a:rPr lang="en-US" sz="1600" dirty="0">
+                <a:solidFill>
+                  <a:sysClr val="windowText" lastClr="000000"/>
+                </a:solidFill>
+              </a:rPr>
+              <a:t>Alcohol Retailer:</a:t>
+            </a:r>
+          </a:p>
+          <a:p>
+            <a:r>
+              <a:rPr lang="en-US" sz="1600" dirty="0">
+                <a:solidFill>
+                  <a:sysClr val="windowText" lastClr="000000"/>
+                </a:solidFill>
+              </a:rPr>
+              <a:t>Off-Premise</a:t>
+            </a:r>
+          </a:p>
+          <a:p>
+            <a:endParaRPr lang="en-US" sz="400" dirty="0">
+              <a:solidFill>
+                <a:sysClr val="windowText" lastClr="000000"/>
+              </a:solidFill>
+            </a:endParaRPr>
+          </a:p>
+          <a:p>
+            <a:r>
+              <a:rPr lang="en-US" sz="1600" dirty="0">
+                <a:solidFill>
+                  <a:sysClr val="windowText" lastClr="000000"/>
+                </a:solidFill>
+              </a:rPr>
+              <a:t>Tobacco Retailer</a:t>
+            </a:r>
+          </a:p>
+          <a:p>
+            <a:endParaRPr lang="en-US" sz="400" dirty="0">
+              <a:solidFill>
+                <a:sysClr val="windowText" lastClr="000000"/>
+              </a:solidFill>
+            </a:endParaRPr>
+          </a:p>
+          <a:p>
+            <a:r>
+              <a:rPr lang="en-US" sz="1600" dirty="0">
+                <a:solidFill>
+                  <a:sysClr val="windowText" lastClr="000000"/>
+                </a:solidFill>
+              </a:rPr>
+              <a:t>Tobacco Violation:</a:t>
+            </a:r>
+          </a:p>
+          <a:p>
+            <a:r>
+              <a:rPr lang="en-US" sz="1600" dirty="0">
+                <a:solidFill>
+                  <a:sysClr val="windowText" lastClr="000000"/>
+                </a:solidFill>
+              </a:rPr>
+              <a:t>Sale to Minor</a:t>
+            </a:r>
+          </a:p>
+          <a:p>
+            <a:endParaRPr lang="en-US" sz="600" dirty="0">
+              <a:solidFill>
+                <a:sysClr val="windowText" lastClr="000000"/>
+              </a:solidFill>
+            </a:endParaRPr>
+          </a:p>
+          <a:p>
+            <a:r>
+              <a:rPr lang="en-US" sz="1600" dirty="0">
+                <a:solidFill>
+                  <a:sysClr val="windowText" lastClr="000000"/>
+                </a:solidFill>
+              </a:rPr>
+              <a:t>Schools</a:t>
+            </a:r>
+            <a:endParaRPr lang="en-US" sz="600" dirty="0">
+              <a:solidFill>
+                <a:sysClr val="windowText" lastClr="000000"/>
+              </a:solidFill>
+            </a:endParaRPr>
+          </a:p>
+          <a:p>
+            <a:endParaRPr lang="en-US" sz="600" dirty="0">
+              <a:solidFill>
+                <a:sysClr val="windowText" lastClr="000000"/>
+              </a:solidFill>
+            </a:endParaRPr>
+          </a:p>
+          <a:p>
+            <a:r>
+              <a:rPr lang="en-US" sz="1600" dirty="0">
+                <a:solidFill>
+                  <a:sysClr val="windowText" lastClr="000000"/>
+                </a:solidFill>
+              </a:rPr>
+              <a:t>OWI Crashes</a:t>
+            </a:r>
+          </a:p>
+          <a:p>
+            <a:endParaRPr lang="en-US" sz="1000" dirty="0">
+              <a:solidFill>
+                <a:sysClr val="windowText" lastClr="000000"/>
+              </a:solidFill>
+            </a:endParaRPr>
+          </a:p>
+          <a:p>
+            <a:r>
+              <a:rPr lang="en-US" sz="1600" dirty="0">
+                <a:solidFill>
+                  <a:sysClr val="windowText" lastClr="000000"/>
+                </a:solidFill>
+              </a:rPr>
+              <a:t>Violence CFS</a:t>
+            </a:r>
+          </a:p>
+          <a:p>
+            <a:endParaRPr lang="en-US" sz="600" dirty="0">
+              <a:solidFill>
+                <a:sysClr val="windowText" lastClr="000000"/>
+              </a:solidFill>
+            </a:endParaRPr>
+          </a:p>
+          <a:p>
+            <a:r>
+              <a:rPr lang="en-US" sz="1600" dirty="0">
+                <a:solidFill>
+                  <a:sysClr val="windowText" lastClr="000000"/>
+                </a:solidFill>
+              </a:rPr>
+              <a:t>Family CFS</a:t>
+            </a:r>
+          </a:p>
+          <a:p>
+            <a:endParaRPr lang="en-US" sz="500" dirty="0">
+              <a:solidFill>
+                <a:sysClr val="windowText" lastClr="000000"/>
+              </a:solidFill>
+            </a:endParaRPr>
+          </a:p>
+          <a:p>
+            <a:r>
+              <a:rPr lang="en-US" sz="1600" dirty="0">
+                <a:solidFill>
+                  <a:sysClr val="windowText" lastClr="000000"/>
+                </a:solidFill>
+              </a:rPr>
+              <a:t>Substance CFS</a:t>
+            </a:r>
+          </a:p>
+        </p:txBody>
+      </p:sp>
+      <p:sp>
+        <p:nvSpPr>
+          <p:cNvPr id="21" name="Rectangle 20">
+            <a:extLst>
+              <a:ext uri="{FF2B5EF4-FFF2-40B4-BE49-F238E27FC236}">
+                <a16:creationId xmlns:a16="http://schemas.microsoft.com/office/drawing/2014/main" id="{801B34F1-20B2-4B3A-B6FD-39CEF922AA7F}"/>
+              </a:ext>
+            </a:extLst>
+          </p:cNvPr>
+          <p:cNvSpPr/>
+          <p:nvPr/>
+        </p:nvSpPr>
+        <p:spPr>
+          <a:xfrm>
+            <a:off x="2700644" y="1553331"/>
+            <a:ext cx="307731" cy="298938"/>
+          </a:xfrm>
+          <a:prstGeom prst="rect">
+            <a:avLst/>
+          </a:prstGeom>
+          <a:solidFill>
+            <a:srgbClr val="2A1F81"/>
+          </a:solidFill>
+          <a:ln>
+            <a:solidFill>
+              <a:schemeClr val="tx1"/>
+            </a:solidFill>
+          </a:ln>
+        </p:spPr>
+        <p:style>
+          <a:lnRef idx="2">
+            <a:schemeClr val="accent1">
+              <a:shade val="50000"/>
+            </a:schemeClr>
+          </a:lnRef>
+          <a:fillRef idx="1">
+            <a:schemeClr val="accent1"/>
+          </a:fillRef>
+          <a:effectRef idx="0">
+            <a:schemeClr val="accent1"/>
+          </a:effectRef>
+          <a:fontRef idx="minor">
+            <a:schemeClr val="lt1"/>
+          </a:fontRef>
+        </p:style>
+        <p:txBody>
+          <a:bodyPr rtlCol="0" anchor="ctr"/>
+          <a:lstStyle/>
+          <a:p>
+            <a:pPr algn="ctr"/>
+            <a:endParaRPr lang="en-US"/>
+          </a:p>
+        </p:txBody>
+      </p:sp>
+      <p:sp>
+        <p:nvSpPr>
+          <p:cNvPr id="22" name="Rectangle 21">
+            <a:extLst>
+              <a:ext uri="{FF2B5EF4-FFF2-40B4-BE49-F238E27FC236}">
+                <a16:creationId xmlns:a16="http://schemas.microsoft.com/office/drawing/2014/main" id="{A1857248-0BF3-4A0D-8838-4658A4754B8B}"/>
+              </a:ext>
+            </a:extLst>
+          </p:cNvPr>
+          <p:cNvSpPr/>
+          <p:nvPr/>
+        </p:nvSpPr>
+        <p:spPr>
+          <a:xfrm rot="18872133">
+            <a:off x="2747982" y="2054184"/>
+            <a:ext cx="228600" cy="228600"/>
+          </a:xfrm>
+          <a:prstGeom prst="rect">
+            <a:avLst/>
+          </a:prstGeom>
+          <a:solidFill>
+            <a:srgbClr val="7D7D81"/>
+          </a:solidFill>
+          <a:ln>
+            <a:solidFill>
+              <a:schemeClr val="tx1"/>
+            </a:solidFill>
+          </a:ln>
+        </p:spPr>
+        <p:style>
+          <a:lnRef idx="2">
+            <a:schemeClr val="accent1">
+              <a:shade val="50000"/>
+            </a:schemeClr>
+          </a:lnRef>
+          <a:fillRef idx="1">
+            <a:schemeClr val="accent1"/>
+          </a:fillRef>
+          <a:effectRef idx="0">
+            <a:schemeClr val="accent1"/>
+          </a:effectRef>
+          <a:fontRef idx="minor">
+            <a:schemeClr val="lt1"/>
+          </a:fontRef>
+        </p:style>
+        <p:txBody>
+          <a:bodyPr rtlCol="0" anchor="ctr"/>
+          <a:lstStyle/>
+          <a:p>
+            <a:pPr algn="ctr"/>
+            <a:endParaRPr lang="en-US"/>
+          </a:p>
+        </p:txBody>
+      </p:sp>
+      <p:sp>
+        <p:nvSpPr>
+          <p:cNvPr id="25" name="Rectangle 24">
+            <a:extLst>
+              <a:ext uri="{FF2B5EF4-FFF2-40B4-BE49-F238E27FC236}">
+                <a16:creationId xmlns:a16="http://schemas.microsoft.com/office/drawing/2014/main" id="{D640C9D4-D020-4FC7-AA4B-A5E155326D09}"/>
+              </a:ext>
+            </a:extLst>
+          </p:cNvPr>
+          <p:cNvSpPr/>
+          <p:nvPr/>
+        </p:nvSpPr>
+        <p:spPr>
+          <a:xfrm rot="18872133">
+            <a:off x="2747981" y="2468704"/>
+            <a:ext cx="228600" cy="228600"/>
+          </a:xfrm>
+          <a:prstGeom prst="rect">
+            <a:avLst/>
+          </a:prstGeom>
+          <a:solidFill>
+            <a:srgbClr val="EA1C1A"/>
+          </a:solidFill>
+          <a:ln>
+            <a:solidFill>
+              <a:schemeClr val="tx1"/>
+            </a:solidFill>
+          </a:ln>
+        </p:spPr>
+        <p:style>
+          <a:lnRef idx="2">
+            <a:schemeClr val="accent1">
+              <a:shade val="50000"/>
+            </a:schemeClr>
+          </a:lnRef>
+          <a:fillRef idx="1">
+            <a:schemeClr val="accent1"/>
+          </a:fillRef>
+          <a:effectRef idx="0">
+            <a:schemeClr val="accent1"/>
+          </a:effectRef>
+          <a:fontRef idx="minor">
+            <a:schemeClr val="lt1"/>
+          </a:fontRef>
+        </p:style>
+        <p:txBody>
+          <a:bodyPr rtlCol="0" anchor="ctr"/>
+          <a:lstStyle/>
+          <a:p>
+            <a:pPr algn="ctr"/>
+            <a:endParaRPr lang="en-US"/>
+          </a:p>
+        </p:txBody>
+      </p:sp>
+      <p:pic>
+        <p:nvPicPr>
+          <p:cNvPr id="11" name="Picture 10">
+            <a:extLst>
+              <a:ext uri="{FF2B5EF4-FFF2-40B4-BE49-F238E27FC236}">
+                <a16:creationId xmlns:a16="http://schemas.microsoft.com/office/drawing/2014/main" id="{B750ED3C-39ED-40A5-B908-D596F13BD832}"/>
+              </a:ext>
+            </a:extLst>
+          </p:cNvPr>
+          <p:cNvPicPr>
+            <a:picLocks noChangeAspect="1"/>
+          </p:cNvPicPr>
+          <p:nvPr/>
+        </p:nvPicPr>
+        <p:blipFill>
+          <a:blip r:embed="rId2"/>
+          <a:stretch>
+            <a:fillRect/>
+          </a:stretch>
+        </p:blipFill>
+        <p:spPr>
+          <a:xfrm>
+            <a:off x="8152035" y="620580"/>
+            <a:ext cx="3115110" cy="1962424"/>
+          </a:xfrm>
+          <a:prstGeom prst="rect">
+            <a:avLst/>
+          </a:prstGeom>
+        </p:spPr>
+      </p:pic>
+      <p:pic>
+        <p:nvPicPr>
+          <p:cNvPr id="12" name="Picture 11">
+            <a:extLst>
+              <a:ext uri="{FF2B5EF4-FFF2-40B4-BE49-F238E27FC236}">
+                <a16:creationId xmlns:a16="http://schemas.microsoft.com/office/drawing/2014/main" id="{FB5C4F7F-8718-4AE5-BA98-0B144198667B}"/>
+              </a:ext>
+            </a:extLst>
+          </p:cNvPr>
+          <p:cNvPicPr>
+            <a:picLocks noChangeAspect="1"/>
+          </p:cNvPicPr>
+          <p:nvPr/>
+        </p:nvPicPr>
+        <p:blipFill rotWithShape="1">
+          <a:blip r:embed="rId3"/>
+          <a:srcRect l="6115"/>
+          <a:stretch/>
+        </p:blipFill>
+        <p:spPr>
+          <a:xfrm>
+            <a:off x="4476206" y="0"/>
+            <a:ext cx="3465289" cy="6858000"/>
+          </a:xfrm>
+          <a:prstGeom prst="rect">
+            <a:avLst/>
+          </a:prstGeom>
+        </p:spPr>
+      </p:pic>
+    </p:spTree>
+    <p:extLst>
+      <p:ext uri="{BB962C8B-B14F-4D97-AF65-F5344CB8AC3E}">
+        <p14:creationId xmlns:p14="http://schemas.microsoft.com/office/powerpoint/2010/main" val="3311623589"/>
+      </p:ext>
+    </p:extLst>
+  </p:cSld>
+  <p:clrMapOvr>
+    <a:masterClrMapping/>
+  </p:clrMapOvr>
+</p:sld>
+</file>
+
+<file path=ppt/slides/slide3.xml><?xml version="1.0" encoding="utf-8"?>
+<p:sld xmlns:a="http://schemas.openxmlformats.org/drawingml/2006/main" xmlns:r="http://schemas.openxmlformats.org/officeDocument/2006/relationships" xmlns:p="http://schemas.openxmlformats.org/presentationml/2006/main">
+  <p:cSld>
+    <p:spTree>
+      <p:nvGrpSpPr>
+        <p:cNvPr id="1" name=""/>
+        <p:cNvGrpSpPr/>
+        <p:nvPr/>
+      </p:nvGrpSpPr>
+      <p:grpSpPr>
+        <a:xfrm>
+          <a:off x="0" y="0"/>
+          <a:ext cx="0" cy="0"/>
+          <a:chOff x="0" y="0"/>
+          <a:chExt cx="0" cy="0"/>
+        </a:xfrm>
+      </p:grpSpPr>
       <p:pic>
         <p:nvPicPr>
           <p:cNvPr id="3" name="Picture 2">
@@ -5843,276 +7094,6 @@
 </p:sld>
 </file>
 
-<file path=ppt/slides/slide3.xml><?xml version="1.0" encoding="utf-8"?>
-<p:sld xmlns:a="http://schemas.openxmlformats.org/drawingml/2006/main" xmlns:r="http://schemas.openxmlformats.org/officeDocument/2006/relationships" xmlns:p="http://schemas.openxmlformats.org/presentationml/2006/main">
-  <p:cSld>
-    <p:spTree>
-      <p:nvGrpSpPr>
-        <p:cNvPr id="1" name=""/>
-        <p:cNvGrpSpPr/>
-        <p:nvPr/>
-      </p:nvGrpSpPr>
-      <p:grpSpPr>
-        <a:xfrm>
-          <a:off x="0" y="0"/>
-          <a:ext cx="0" cy="0"/>
-          <a:chOff x="0" y="0"/>
-          <a:chExt cx="0" cy="0"/>
-        </a:xfrm>
-      </p:grpSpPr>
-      <p:sp>
-        <p:nvSpPr>
-          <p:cNvPr id="4" name="TextBox 3">
-            <a:extLst>
-              <a:ext uri="{FF2B5EF4-FFF2-40B4-BE49-F238E27FC236}">
-                <a16:creationId xmlns:a16="http://schemas.microsoft.com/office/drawing/2014/main" id="{D7C6C158-4BD6-4519-89F5-E56F23DE7789}"/>
-              </a:ext>
-            </a:extLst>
-          </p:cNvPr>
-          <p:cNvSpPr txBox="1"/>
-          <p:nvPr/>
-        </p:nvSpPr>
-        <p:spPr>
-          <a:xfrm>
-            <a:off x="4614950" y="1663866"/>
-            <a:ext cx="1190630" cy="584775"/>
-          </a:xfrm>
-          <a:prstGeom prst="rect">
-            <a:avLst/>
-          </a:prstGeom>
-          <a:noFill/>
-        </p:spPr>
-        <p:txBody>
-          <a:bodyPr wrap="square" rtlCol="0">
-            <a:spAutoFit/>
-          </a:bodyPr>
-          <a:lstStyle/>
-          <a:p>
-            <a:r>
-              <a:rPr lang="en-US" sz="3200" dirty="0"/>
-              <a:t>High</a:t>
-            </a:r>
-            <a:r>
-              <a:rPr lang="en-US" sz="2800" dirty="0"/>
-              <a:t> </a:t>
-            </a:r>
-          </a:p>
-        </p:txBody>
-      </p:sp>
-      <p:sp>
-        <p:nvSpPr>
-          <p:cNvPr id="5" name="TextBox 4">
-            <a:extLst>
-              <a:ext uri="{FF2B5EF4-FFF2-40B4-BE49-F238E27FC236}">
-                <a16:creationId xmlns:a16="http://schemas.microsoft.com/office/drawing/2014/main" id="{B7715BDF-4D0C-47F1-94EA-847C22E00CBB}"/>
-              </a:ext>
-            </a:extLst>
-          </p:cNvPr>
-          <p:cNvSpPr txBox="1"/>
-          <p:nvPr/>
-        </p:nvSpPr>
-        <p:spPr>
-          <a:xfrm>
-            <a:off x="4614950" y="5256251"/>
-            <a:ext cx="904888" cy="553998"/>
-          </a:xfrm>
-          <a:prstGeom prst="rect">
-            <a:avLst/>
-          </a:prstGeom>
-          <a:noFill/>
-        </p:spPr>
-        <p:txBody>
-          <a:bodyPr wrap="square" rtlCol="0">
-            <a:spAutoFit/>
-          </a:bodyPr>
-          <a:lstStyle/>
-          <a:p>
-            <a:r>
-              <a:rPr lang="en-US" sz="3000" dirty="0"/>
-              <a:t>Low </a:t>
-            </a:r>
-          </a:p>
-        </p:txBody>
-      </p:sp>
-      <p:sp>
-        <p:nvSpPr>
-          <p:cNvPr id="6" name="TextBox 5">
-            <a:extLst>
-              <a:ext uri="{FF2B5EF4-FFF2-40B4-BE49-F238E27FC236}">
-                <a16:creationId xmlns:a16="http://schemas.microsoft.com/office/drawing/2014/main" id="{C6AD39F9-607B-41AF-8911-07F33601A8EF}"/>
-              </a:ext>
-            </a:extLst>
-          </p:cNvPr>
-          <p:cNvSpPr txBox="1"/>
-          <p:nvPr/>
-        </p:nvSpPr>
-        <p:spPr>
-          <a:xfrm>
-            <a:off x="4063042" y="3423462"/>
-            <a:ext cx="1804363" cy="553998"/>
-          </a:xfrm>
-          <a:prstGeom prst="rect">
-            <a:avLst/>
-          </a:prstGeom>
-          <a:noFill/>
-        </p:spPr>
-        <p:txBody>
-          <a:bodyPr wrap="square" rtlCol="0">
-            <a:spAutoFit/>
-          </a:bodyPr>
-          <a:lstStyle/>
-          <a:p>
-            <a:r>
-              <a:rPr lang="en-US" sz="3000" dirty="0"/>
-              <a:t>Moderate </a:t>
-            </a:r>
-          </a:p>
-        </p:txBody>
-      </p:sp>
-      <p:sp>
-        <p:nvSpPr>
-          <p:cNvPr id="7" name="TextBox 6">
-            <a:extLst>
-              <a:ext uri="{FF2B5EF4-FFF2-40B4-BE49-F238E27FC236}">
-                <a16:creationId xmlns:a16="http://schemas.microsoft.com/office/drawing/2014/main" id="{B1F2B245-1261-4FAE-885A-60AA5DA243B1}"/>
-              </a:ext>
-            </a:extLst>
-          </p:cNvPr>
-          <p:cNvSpPr txBox="1"/>
-          <p:nvPr/>
-        </p:nvSpPr>
-        <p:spPr>
-          <a:xfrm>
-            <a:off x="3180827" y="340427"/>
-            <a:ext cx="4678022" cy="1200329"/>
-          </a:xfrm>
-          <a:prstGeom prst="rect">
-            <a:avLst/>
-          </a:prstGeom>
-          <a:noFill/>
-        </p:spPr>
-        <p:txBody>
-          <a:bodyPr wrap="square" rtlCol="0">
-            <a:spAutoFit/>
-          </a:bodyPr>
-          <a:lstStyle/>
-          <a:p>
-            <a:pPr algn="ctr"/>
-            <a:r>
-              <a:rPr lang="en-US" sz="3600" b="1" dirty="0"/>
-              <a:t>Neighborhood-Level Density  </a:t>
-            </a:r>
-          </a:p>
-        </p:txBody>
-      </p:sp>
-      <p:pic>
-        <p:nvPicPr>
-          <p:cNvPr id="16" name="Picture 15">
-            <a:extLst>
-              <a:ext uri="{FF2B5EF4-FFF2-40B4-BE49-F238E27FC236}">
-                <a16:creationId xmlns:a16="http://schemas.microsoft.com/office/drawing/2014/main" id="{E46B5585-02F2-4579-BB8D-0400591A2519}"/>
-              </a:ext>
-            </a:extLst>
-          </p:cNvPr>
-          <p:cNvPicPr>
-            <a:picLocks noChangeAspect="1"/>
-          </p:cNvPicPr>
-          <p:nvPr/>
-        </p:nvPicPr>
-        <p:blipFill>
-          <a:blip r:embed="rId2">
-            <a:extLst>
-              <a:ext uri="{28A0092B-C50C-407E-A947-70E740481C1C}">
-                <a14:useLocalDpi xmlns:a14="http://schemas.microsoft.com/office/drawing/2010/main" val="0"/>
-              </a:ext>
-            </a:extLst>
-          </a:blip>
-          <a:stretch>
-            <a:fillRect/>
-          </a:stretch>
-        </p:blipFill>
-        <p:spPr>
-          <a:xfrm>
-            <a:off x="5923723" y="1439195"/>
-            <a:ext cx="588396" cy="4433117"/>
-          </a:xfrm>
-          <a:prstGeom prst="rect">
-            <a:avLst/>
-          </a:prstGeom>
-        </p:spPr>
-      </p:pic>
-      <p:pic>
-        <p:nvPicPr>
-          <p:cNvPr id="3" name="Picture 2">
-            <a:extLst>
-              <a:ext uri="{FF2B5EF4-FFF2-40B4-BE49-F238E27FC236}">
-                <a16:creationId xmlns:a16="http://schemas.microsoft.com/office/drawing/2014/main" id="{73658ED4-AC06-4627-86B8-2D346C8FD492}"/>
-              </a:ext>
-            </a:extLst>
-          </p:cNvPr>
-          <p:cNvPicPr>
-            <a:picLocks noChangeAspect="1"/>
-          </p:cNvPicPr>
-          <p:nvPr/>
-        </p:nvPicPr>
-        <p:blipFill rotWithShape="1">
-          <a:blip r:embed="rId3"/>
-          <a:srcRect r="2469"/>
-          <a:stretch/>
-        </p:blipFill>
-        <p:spPr>
-          <a:xfrm>
-            <a:off x="7990702" y="2253849"/>
-            <a:ext cx="3253947" cy="2885480"/>
-          </a:xfrm>
-          <a:prstGeom prst="rect">
-            <a:avLst/>
-          </a:prstGeom>
-        </p:spPr>
-      </p:pic>
-      <p:pic>
-        <p:nvPicPr>
-          <p:cNvPr id="10" name="Picture 9">
-            <a:extLst>
-              <a:ext uri="{FF2B5EF4-FFF2-40B4-BE49-F238E27FC236}">
-                <a16:creationId xmlns:a16="http://schemas.microsoft.com/office/drawing/2014/main" id="{1D8DEE47-FE51-465E-B493-A654B8138539}"/>
-              </a:ext>
-            </a:extLst>
-          </p:cNvPr>
-          <p:cNvPicPr>
-            <a:picLocks noChangeAspect="1"/>
-          </p:cNvPicPr>
-          <p:nvPr/>
-        </p:nvPicPr>
-        <p:blipFill>
-          <a:blip r:embed="rId4"/>
-          <a:stretch>
-            <a:fillRect/>
-          </a:stretch>
-        </p:blipFill>
-        <p:spPr>
-          <a:xfrm>
-            <a:off x="1146072" y="3072116"/>
-            <a:ext cx="1905266" cy="2067213"/>
-          </a:xfrm>
-          <a:prstGeom prst="rect">
-            <a:avLst/>
-          </a:prstGeom>
-        </p:spPr>
-      </p:pic>
-    </p:spTree>
-    <p:extLst>
-      <p:ext uri="{BB962C8B-B14F-4D97-AF65-F5344CB8AC3E}">
-        <p14:creationId xmlns:p14="http://schemas.microsoft.com/office/powerpoint/2010/main" val="1908264408"/>
-      </p:ext>
-    </p:extLst>
-  </p:cSld>
-  <p:clrMapOvr>
-    <a:masterClrMapping/>
-  </p:clrMapOvr>
-</p:sld>
-</file>
-
 <file path=ppt/slides/slide4.xml><?xml version="1.0" encoding="utf-8"?>
 <p:sld xmlns:a="http://schemas.openxmlformats.org/drawingml/2006/main" xmlns:r="http://schemas.openxmlformats.org/officeDocument/2006/relationships" xmlns:p="http://schemas.openxmlformats.org/presentationml/2006/main">
   <p:cSld>
@@ -6253,6 +7234,276 @@
         </p:nvSpPr>
         <p:spPr>
           <a:xfrm>
+            <a:off x="3180827" y="340427"/>
+            <a:ext cx="4678022" cy="1200329"/>
+          </a:xfrm>
+          <a:prstGeom prst="rect">
+            <a:avLst/>
+          </a:prstGeom>
+          <a:noFill/>
+        </p:spPr>
+        <p:txBody>
+          <a:bodyPr wrap="square" rtlCol="0">
+            <a:spAutoFit/>
+          </a:bodyPr>
+          <a:lstStyle/>
+          <a:p>
+            <a:pPr algn="ctr"/>
+            <a:r>
+              <a:rPr lang="en-US" sz="3600" b="1" dirty="0"/>
+              <a:t>Neighborhood-Level Density  </a:t>
+            </a:r>
+          </a:p>
+        </p:txBody>
+      </p:sp>
+      <p:pic>
+        <p:nvPicPr>
+          <p:cNvPr id="16" name="Picture 15">
+            <a:extLst>
+              <a:ext uri="{FF2B5EF4-FFF2-40B4-BE49-F238E27FC236}">
+                <a16:creationId xmlns:a16="http://schemas.microsoft.com/office/drawing/2014/main" id="{E46B5585-02F2-4579-BB8D-0400591A2519}"/>
+              </a:ext>
+            </a:extLst>
+          </p:cNvPr>
+          <p:cNvPicPr>
+            <a:picLocks noChangeAspect="1"/>
+          </p:cNvPicPr>
+          <p:nvPr/>
+        </p:nvPicPr>
+        <p:blipFill>
+          <a:blip r:embed="rId2">
+            <a:extLst>
+              <a:ext uri="{28A0092B-C50C-407E-A947-70E740481C1C}">
+                <a14:useLocalDpi xmlns:a14="http://schemas.microsoft.com/office/drawing/2010/main" val="0"/>
+              </a:ext>
+            </a:extLst>
+          </a:blip>
+          <a:stretch>
+            <a:fillRect/>
+          </a:stretch>
+        </p:blipFill>
+        <p:spPr>
+          <a:xfrm>
+            <a:off x="5923723" y="1439195"/>
+            <a:ext cx="588396" cy="4433117"/>
+          </a:xfrm>
+          <a:prstGeom prst="rect">
+            <a:avLst/>
+          </a:prstGeom>
+        </p:spPr>
+      </p:pic>
+      <p:pic>
+        <p:nvPicPr>
+          <p:cNvPr id="3" name="Picture 2">
+            <a:extLst>
+              <a:ext uri="{FF2B5EF4-FFF2-40B4-BE49-F238E27FC236}">
+                <a16:creationId xmlns:a16="http://schemas.microsoft.com/office/drawing/2014/main" id="{73658ED4-AC06-4627-86B8-2D346C8FD492}"/>
+              </a:ext>
+            </a:extLst>
+          </p:cNvPr>
+          <p:cNvPicPr>
+            <a:picLocks noChangeAspect="1"/>
+          </p:cNvPicPr>
+          <p:nvPr/>
+        </p:nvPicPr>
+        <p:blipFill rotWithShape="1">
+          <a:blip r:embed="rId3"/>
+          <a:srcRect r="2469"/>
+          <a:stretch/>
+        </p:blipFill>
+        <p:spPr>
+          <a:xfrm>
+            <a:off x="7990702" y="2253849"/>
+            <a:ext cx="3253947" cy="2885480"/>
+          </a:xfrm>
+          <a:prstGeom prst="rect">
+            <a:avLst/>
+          </a:prstGeom>
+        </p:spPr>
+      </p:pic>
+      <p:pic>
+        <p:nvPicPr>
+          <p:cNvPr id="10" name="Picture 9">
+            <a:extLst>
+              <a:ext uri="{FF2B5EF4-FFF2-40B4-BE49-F238E27FC236}">
+                <a16:creationId xmlns:a16="http://schemas.microsoft.com/office/drawing/2014/main" id="{1D8DEE47-FE51-465E-B493-A654B8138539}"/>
+              </a:ext>
+            </a:extLst>
+          </p:cNvPr>
+          <p:cNvPicPr>
+            <a:picLocks noChangeAspect="1"/>
+          </p:cNvPicPr>
+          <p:nvPr/>
+        </p:nvPicPr>
+        <p:blipFill>
+          <a:blip r:embed="rId4"/>
+          <a:stretch>
+            <a:fillRect/>
+          </a:stretch>
+        </p:blipFill>
+        <p:spPr>
+          <a:xfrm>
+            <a:off x="1146072" y="3072116"/>
+            <a:ext cx="1905266" cy="2067213"/>
+          </a:xfrm>
+          <a:prstGeom prst="rect">
+            <a:avLst/>
+          </a:prstGeom>
+        </p:spPr>
+      </p:pic>
+    </p:spTree>
+    <p:extLst>
+      <p:ext uri="{BB962C8B-B14F-4D97-AF65-F5344CB8AC3E}">
+        <p14:creationId xmlns:p14="http://schemas.microsoft.com/office/powerpoint/2010/main" val="1908264408"/>
+      </p:ext>
+    </p:extLst>
+  </p:cSld>
+  <p:clrMapOvr>
+    <a:masterClrMapping/>
+  </p:clrMapOvr>
+</p:sld>
+</file>
+
+<file path=ppt/slides/slide5.xml><?xml version="1.0" encoding="utf-8"?>
+<p:sld xmlns:a="http://schemas.openxmlformats.org/drawingml/2006/main" xmlns:r="http://schemas.openxmlformats.org/officeDocument/2006/relationships" xmlns:p="http://schemas.openxmlformats.org/presentationml/2006/main">
+  <p:cSld>
+    <p:spTree>
+      <p:nvGrpSpPr>
+        <p:cNvPr id="1" name=""/>
+        <p:cNvGrpSpPr/>
+        <p:nvPr/>
+      </p:nvGrpSpPr>
+      <p:grpSpPr>
+        <a:xfrm>
+          <a:off x="0" y="0"/>
+          <a:ext cx="0" cy="0"/>
+          <a:chOff x="0" y="0"/>
+          <a:chExt cx="0" cy="0"/>
+        </a:xfrm>
+      </p:grpSpPr>
+      <p:sp>
+        <p:nvSpPr>
+          <p:cNvPr id="4" name="TextBox 3">
+            <a:extLst>
+              <a:ext uri="{FF2B5EF4-FFF2-40B4-BE49-F238E27FC236}">
+                <a16:creationId xmlns:a16="http://schemas.microsoft.com/office/drawing/2014/main" id="{D7C6C158-4BD6-4519-89F5-E56F23DE7789}"/>
+              </a:ext>
+            </a:extLst>
+          </p:cNvPr>
+          <p:cNvSpPr txBox="1"/>
+          <p:nvPr/>
+        </p:nvSpPr>
+        <p:spPr>
+          <a:xfrm>
+            <a:off x="4614950" y="1663866"/>
+            <a:ext cx="1190630" cy="584775"/>
+          </a:xfrm>
+          <a:prstGeom prst="rect">
+            <a:avLst/>
+          </a:prstGeom>
+          <a:noFill/>
+        </p:spPr>
+        <p:txBody>
+          <a:bodyPr wrap="square" rtlCol="0">
+            <a:spAutoFit/>
+          </a:bodyPr>
+          <a:lstStyle/>
+          <a:p>
+            <a:r>
+              <a:rPr lang="en-US" sz="3200" dirty="0"/>
+              <a:t>High</a:t>
+            </a:r>
+            <a:r>
+              <a:rPr lang="en-US" sz="2800" dirty="0"/>
+              <a:t> </a:t>
+            </a:r>
+          </a:p>
+        </p:txBody>
+      </p:sp>
+      <p:sp>
+        <p:nvSpPr>
+          <p:cNvPr id="5" name="TextBox 4">
+            <a:extLst>
+              <a:ext uri="{FF2B5EF4-FFF2-40B4-BE49-F238E27FC236}">
+                <a16:creationId xmlns:a16="http://schemas.microsoft.com/office/drawing/2014/main" id="{B7715BDF-4D0C-47F1-94EA-847C22E00CBB}"/>
+              </a:ext>
+            </a:extLst>
+          </p:cNvPr>
+          <p:cNvSpPr txBox="1"/>
+          <p:nvPr/>
+        </p:nvSpPr>
+        <p:spPr>
+          <a:xfrm>
+            <a:off x="4614950" y="5256251"/>
+            <a:ext cx="904888" cy="553998"/>
+          </a:xfrm>
+          <a:prstGeom prst="rect">
+            <a:avLst/>
+          </a:prstGeom>
+          <a:noFill/>
+        </p:spPr>
+        <p:txBody>
+          <a:bodyPr wrap="square" rtlCol="0">
+            <a:spAutoFit/>
+          </a:bodyPr>
+          <a:lstStyle/>
+          <a:p>
+            <a:r>
+              <a:rPr lang="en-US" sz="3000" dirty="0"/>
+              <a:t>Low </a:t>
+            </a:r>
+          </a:p>
+        </p:txBody>
+      </p:sp>
+      <p:sp>
+        <p:nvSpPr>
+          <p:cNvPr id="6" name="TextBox 5">
+            <a:extLst>
+              <a:ext uri="{FF2B5EF4-FFF2-40B4-BE49-F238E27FC236}">
+                <a16:creationId xmlns:a16="http://schemas.microsoft.com/office/drawing/2014/main" id="{C6AD39F9-607B-41AF-8911-07F33601A8EF}"/>
+              </a:ext>
+            </a:extLst>
+          </p:cNvPr>
+          <p:cNvSpPr txBox="1"/>
+          <p:nvPr/>
+        </p:nvSpPr>
+        <p:spPr>
+          <a:xfrm>
+            <a:off x="4063042" y="3423462"/>
+            <a:ext cx="1804363" cy="553998"/>
+          </a:xfrm>
+          <a:prstGeom prst="rect">
+            <a:avLst/>
+          </a:prstGeom>
+          <a:noFill/>
+        </p:spPr>
+        <p:txBody>
+          <a:bodyPr wrap="square" rtlCol="0">
+            <a:spAutoFit/>
+          </a:bodyPr>
+          <a:lstStyle/>
+          <a:p>
+            <a:r>
+              <a:rPr lang="en-US" sz="3000" dirty="0"/>
+              <a:t>Moderate </a:t>
+            </a:r>
+          </a:p>
+        </p:txBody>
+      </p:sp>
+      <p:sp>
+        <p:nvSpPr>
+          <p:cNvPr id="7" name="TextBox 6">
+            <a:extLst>
+              <a:ext uri="{FF2B5EF4-FFF2-40B4-BE49-F238E27FC236}">
+                <a16:creationId xmlns:a16="http://schemas.microsoft.com/office/drawing/2014/main" id="{B1F2B245-1261-4FAE-885A-60AA5DA243B1}"/>
+              </a:ext>
+            </a:extLst>
+          </p:cNvPr>
+          <p:cNvSpPr txBox="1"/>
+          <p:nvPr/>
+        </p:nvSpPr>
+        <p:spPr>
+          <a:xfrm>
             <a:off x="3466569" y="385075"/>
             <a:ext cx="4678022" cy="1200329"/>
           </a:xfrm>
@@ -6414,7 +7665,7 @@
 </p:sld>
 </file>
 
-<file path=ppt/slides/slide5.xml><?xml version="1.0" encoding="utf-8"?>
+<file path=ppt/slides/slide6.xml><?xml version="1.0" encoding="utf-8"?>
 <p:sld xmlns:a="http://schemas.openxmlformats.org/drawingml/2006/main" xmlns:r="http://schemas.openxmlformats.org/officeDocument/2006/relationships" xmlns:p="http://schemas.openxmlformats.org/presentationml/2006/main">
   <p:cSld>
     <p:spTree>

--- a/legends.pptx
+++ b/legends.pptx
@@ -264,7 +264,7 @@
           <a:p>
             <a:fld id="{5BDD9600-5756-467D-BC52-A375B0F76995}" type="datetimeFigureOut">
               <a:rPr lang="en-US" smtClean="0"/>
-              <a:t>9/9/2024</a:t>
+              <a:t>9/10/2024</a:t>
             </a:fld>
             <a:endParaRPr lang="en-US"/>
           </a:p>
@@ -462,7 +462,7 @@
           <a:p>
             <a:fld id="{5BDD9600-5756-467D-BC52-A375B0F76995}" type="datetimeFigureOut">
               <a:rPr lang="en-US" smtClean="0"/>
-              <a:t>9/9/2024</a:t>
+              <a:t>9/10/2024</a:t>
             </a:fld>
             <a:endParaRPr lang="en-US"/>
           </a:p>
@@ -670,7 +670,7 @@
           <a:p>
             <a:fld id="{5BDD9600-5756-467D-BC52-A375B0F76995}" type="datetimeFigureOut">
               <a:rPr lang="en-US" smtClean="0"/>
-              <a:t>9/9/2024</a:t>
+              <a:t>9/10/2024</a:t>
             </a:fld>
             <a:endParaRPr lang="en-US"/>
           </a:p>
@@ -868,7 +868,7 @@
           <a:p>
             <a:fld id="{5BDD9600-5756-467D-BC52-A375B0F76995}" type="datetimeFigureOut">
               <a:rPr lang="en-US" smtClean="0"/>
-              <a:t>9/9/2024</a:t>
+              <a:t>9/10/2024</a:t>
             </a:fld>
             <a:endParaRPr lang="en-US"/>
           </a:p>
@@ -1143,7 +1143,7 @@
           <a:p>
             <a:fld id="{5BDD9600-5756-467D-BC52-A375B0F76995}" type="datetimeFigureOut">
               <a:rPr lang="en-US" smtClean="0"/>
-              <a:t>9/9/2024</a:t>
+              <a:t>9/10/2024</a:t>
             </a:fld>
             <a:endParaRPr lang="en-US"/>
           </a:p>
@@ -1408,7 +1408,7 @@
           <a:p>
             <a:fld id="{5BDD9600-5756-467D-BC52-A375B0F76995}" type="datetimeFigureOut">
               <a:rPr lang="en-US" smtClean="0"/>
-              <a:t>9/9/2024</a:t>
+              <a:t>9/10/2024</a:t>
             </a:fld>
             <a:endParaRPr lang="en-US"/>
           </a:p>
@@ -1820,7 +1820,7 @@
           <a:p>
             <a:fld id="{5BDD9600-5756-467D-BC52-A375B0F76995}" type="datetimeFigureOut">
               <a:rPr lang="en-US" smtClean="0"/>
-              <a:t>9/9/2024</a:t>
+              <a:t>9/10/2024</a:t>
             </a:fld>
             <a:endParaRPr lang="en-US"/>
           </a:p>
@@ -1961,7 +1961,7 @@
           <a:p>
             <a:fld id="{5BDD9600-5756-467D-BC52-A375B0F76995}" type="datetimeFigureOut">
               <a:rPr lang="en-US" smtClean="0"/>
-              <a:t>9/9/2024</a:t>
+              <a:t>9/10/2024</a:t>
             </a:fld>
             <a:endParaRPr lang="en-US"/>
           </a:p>
@@ -2074,7 +2074,7 @@
           <a:p>
             <a:fld id="{5BDD9600-5756-467D-BC52-A375B0F76995}" type="datetimeFigureOut">
               <a:rPr lang="en-US" smtClean="0"/>
-              <a:t>9/9/2024</a:t>
+              <a:t>9/10/2024</a:t>
             </a:fld>
             <a:endParaRPr lang="en-US"/>
           </a:p>
@@ -2385,7 +2385,7 @@
           <a:p>
             <a:fld id="{5BDD9600-5756-467D-BC52-A375B0F76995}" type="datetimeFigureOut">
               <a:rPr lang="en-US" smtClean="0"/>
-              <a:t>9/9/2024</a:t>
+              <a:t>9/10/2024</a:t>
             </a:fld>
             <a:endParaRPr lang="en-US"/>
           </a:p>
@@ -2673,7 +2673,7 @@
           <a:p>
             <a:fld id="{5BDD9600-5756-467D-BC52-A375B0F76995}" type="datetimeFigureOut">
               <a:rPr lang="en-US" smtClean="0"/>
-              <a:t>9/9/2024</a:t>
+              <a:t>9/10/2024</a:t>
             </a:fld>
             <a:endParaRPr lang="en-US"/>
           </a:p>
@@ -2914,7 +2914,7 @@
           <a:p>
             <a:fld id="{5BDD9600-5756-467D-BC52-A375B0F76995}" type="datetimeFigureOut">
               <a:rPr lang="en-US" smtClean="0"/>
-              <a:t>9/9/2024</a:t>
+              <a:t>9/10/2024</a:t>
             </a:fld>
             <a:endParaRPr lang="en-US"/>
           </a:p>
@@ -4225,7 +4225,7 @@
             <a:avLst/>
           </a:prstGeom>
           <a:solidFill>
-            <a:srgbClr val="758C66"/>
+            <a:srgbClr val="E2E522"/>
           </a:solidFill>
           <a:ln>
             <a:solidFill>
@@ -4258,349 +4258,6 @@
           </a:p>
         </p:txBody>
       </p:sp>
-      <p:graphicFrame>
-        <p:nvGraphicFramePr>
-          <p:cNvPr id="23" name="Table 22">
-            <a:extLst>
-              <a:ext uri="{FF2B5EF4-FFF2-40B4-BE49-F238E27FC236}">
-                <a16:creationId xmlns:a16="http://schemas.microsoft.com/office/drawing/2014/main" id="{2835577A-8D59-4EE0-9DB6-ABD5BF945A77}"/>
-              </a:ext>
-            </a:extLst>
-          </p:cNvPr>
-          <p:cNvGraphicFramePr>
-            <a:graphicFrameLocks noGrp="1"/>
-          </p:cNvGraphicFramePr>
-          <p:nvPr>
-            <p:extLst>
-              <p:ext uri="{D42A27DB-BD31-4B8C-83A1-F6EECF244321}">
-                <p14:modId xmlns:p14="http://schemas.microsoft.com/office/powerpoint/2010/main" val="1901428775"/>
-              </p:ext>
-            </p:extLst>
-          </p:nvPr>
-        </p:nvGraphicFramePr>
-        <p:xfrm>
-          <a:off x="6430113" y="319440"/>
-          <a:ext cx="8128000" cy="4539937"/>
-        </p:xfrm>
-        <a:graphic>
-          <a:graphicData uri="http://schemas.openxmlformats.org/drawingml/2006/table">
-            <a:tbl>
-              <a:tblPr firstRow="1" bandRow="1">
-                <a:tableStyleId>{5C22544A-7EE6-4342-B048-85BDC9FD1C3A}</a:tableStyleId>
-              </a:tblPr>
-              <a:tblGrid>
-                <a:gridCol w="8128000">
-                  <a:extLst>
-                    <a:ext uri="{9D8B030D-6E8A-4147-A177-3AD203B41FA5}">
-                      <a16:colId xmlns:a16="http://schemas.microsoft.com/office/drawing/2014/main" val="3443107341"/>
-                    </a:ext>
-                  </a:extLst>
-                </a:gridCol>
-              </a:tblGrid>
-              <a:tr h="0">
-                <a:tc>
-                  <a:txBody>
-                    <a:bodyPr/>
-                    <a:lstStyle/>
-                    <a:p>
-                      <a:r>
-                        <a:rPr lang="en-US" sz="1050" b="0" dirty="0">
-                          <a:solidFill>
-                            <a:sysClr val="windowText" lastClr="000000"/>
-                          </a:solidFill>
-                        </a:rPr>
-                        <a:t>Alcohol Retailer:</a:t>
-                      </a:r>
-                    </a:p>
-                    <a:p>
-                      <a:r>
-                        <a:rPr lang="en-US" sz="1050" b="0" dirty="0">
-                          <a:solidFill>
-                            <a:sysClr val="windowText" lastClr="000000"/>
-                          </a:solidFill>
-                        </a:rPr>
-                        <a:t>On-Premise</a:t>
-                      </a:r>
-                    </a:p>
-                  </a:txBody>
-                  <a:tcPr>
-                    <a:lnL w="12700" cmpd="sng">
-                      <a:noFill/>
-                    </a:lnL>
-                    <a:lnR w="12700" cmpd="sng">
-                      <a:noFill/>
-                    </a:lnR>
-                    <a:lnT w="12700" cmpd="sng">
-                      <a:noFill/>
-                    </a:lnT>
-                    <a:lnB w="38100" cmpd="sng">
-                      <a:noFill/>
-                    </a:lnB>
-                    <a:lnTlToBr w="12700" cmpd="sng">
-                      <a:noFill/>
-                      <a:prstDash val="solid"/>
-                    </a:lnTlToBr>
-                    <a:lnBlToTr w="12700" cmpd="sng">
-                      <a:noFill/>
-                      <a:prstDash val="solid"/>
-                    </a:lnBlToTr>
-                    <a:noFill/>
-                  </a:tcPr>
-                </a:tc>
-                <a:extLst>
-                  <a:ext uri="{0D108BD9-81ED-4DB2-BD59-A6C34878D82A}">
-                    <a16:rowId xmlns:a16="http://schemas.microsoft.com/office/drawing/2014/main" val="435831935"/>
-                  </a:ext>
-                </a:extLst>
-              </a:tr>
-              <a:tr h="368135">
-                <a:tc>
-                  <a:txBody>
-                    <a:bodyPr/>
-                    <a:lstStyle/>
-                    <a:p>
-                      <a:r>
-                        <a:rPr lang="en-US" sz="1050" dirty="0"/>
-                        <a:t>Alcohol Retailer: </a:t>
-                      </a:r>
-                    </a:p>
-                    <a:p>
-                      <a:r>
-                        <a:rPr lang="en-US" sz="1050" dirty="0"/>
-                        <a:t>Off-Premise</a:t>
-                      </a:r>
-                    </a:p>
-                  </a:txBody>
-                  <a:tcPr>
-                    <a:lnT w="38100" cmpd="sng">
-                      <a:noFill/>
-                    </a:lnT>
-                    <a:noFill/>
-                  </a:tcPr>
-                </a:tc>
-                <a:extLst>
-                  <a:ext uri="{0D108BD9-81ED-4DB2-BD59-A6C34878D82A}">
-                    <a16:rowId xmlns:a16="http://schemas.microsoft.com/office/drawing/2014/main" val="381597789"/>
-                  </a:ext>
-                </a:extLst>
-              </a:tr>
-              <a:tr h="570016">
-                <a:tc>
-                  <a:txBody>
-                    <a:bodyPr/>
-                    <a:lstStyle/>
-                    <a:p>
-                      <a:r>
-                        <a:rPr lang="en-US" dirty="0"/>
-                        <a:t>Schools</a:t>
-                      </a:r>
-                    </a:p>
-                  </a:txBody>
-                  <a:tcPr>
-                    <a:noFill/>
-                  </a:tcPr>
-                </a:tc>
-                <a:extLst>
-                  <a:ext uri="{0D108BD9-81ED-4DB2-BD59-A6C34878D82A}">
-                    <a16:rowId xmlns:a16="http://schemas.microsoft.com/office/drawing/2014/main" val="1721346873"/>
-                  </a:ext>
-                </a:extLst>
-              </a:tr>
-              <a:tr h="403761">
-                <a:tc>
-                  <a:txBody>
-                    <a:bodyPr/>
-                    <a:lstStyle/>
-                    <a:p>
-                      <a:r>
-                        <a:rPr lang="en-US" dirty="0"/>
-                        <a:t>OWI Crashes</a:t>
-                      </a:r>
-                    </a:p>
-                  </a:txBody>
-                  <a:tcPr>
-                    <a:noFill/>
-                  </a:tcPr>
-                </a:tc>
-                <a:extLst>
-                  <a:ext uri="{0D108BD9-81ED-4DB2-BD59-A6C34878D82A}">
-                    <a16:rowId xmlns:a16="http://schemas.microsoft.com/office/drawing/2014/main" val="4169806888"/>
-                  </a:ext>
-                </a:extLst>
-              </a:tr>
-              <a:tr h="533820">
-                <a:tc>
-                  <a:txBody>
-                    <a:bodyPr/>
-                    <a:lstStyle/>
-                    <a:p>
-                      <a:r>
-                        <a:rPr lang="en-US" dirty="0"/>
-                        <a:t>Tobacco Retailer: </a:t>
-                      </a:r>
-                    </a:p>
-                    <a:p>
-                      <a:r>
-                        <a:rPr lang="en-US" dirty="0"/>
-                        <a:t>Sale to Minor</a:t>
-                      </a:r>
-                    </a:p>
-                  </a:txBody>
-                  <a:tcPr>
-                    <a:noFill/>
-                  </a:tcPr>
-                </a:tc>
-                <a:extLst>
-                  <a:ext uri="{0D108BD9-81ED-4DB2-BD59-A6C34878D82A}">
-                    <a16:rowId xmlns:a16="http://schemas.microsoft.com/office/drawing/2014/main" val="3271242622"/>
-                  </a:ext>
-                </a:extLst>
-              </a:tr>
-              <a:tr h="370840">
-                <a:tc>
-                  <a:txBody>
-                    <a:bodyPr/>
-                    <a:lstStyle/>
-                    <a:p>
-                      <a:pPr>
-                        <a:lnSpc>
-                          <a:spcPct val="100000"/>
-                        </a:lnSpc>
-                        <a:spcBef>
-                          <a:spcPts val="0"/>
-                        </a:spcBef>
-                        <a:spcAft>
-                          <a:spcPts val="0"/>
-                        </a:spcAft>
-                      </a:pPr>
-                      <a:r>
-                        <a:rPr lang="en-US" dirty="0"/>
-                        <a:t>Tobacco Retailer</a:t>
-                      </a:r>
-                    </a:p>
-                    <a:p>
-                      <a:pPr>
-                        <a:lnSpc>
-                          <a:spcPct val="100000"/>
-                        </a:lnSpc>
-                        <a:spcBef>
-                          <a:spcPts val="0"/>
-                        </a:spcBef>
-                        <a:spcAft>
-                          <a:spcPts val="0"/>
-                        </a:spcAft>
-                      </a:pPr>
-                      <a:endParaRPr lang="en-US" sz="800" dirty="0"/>
-                    </a:p>
-                    <a:p>
-                      <a:pPr marL="0" marR="0" lvl="0" indent="0" algn="l" defTabSz="914400" rtl="0" eaLnBrk="1" fontAlgn="auto" latinLnBrk="0" hangingPunct="1">
-                        <a:lnSpc>
-                          <a:spcPct val="100000"/>
-                        </a:lnSpc>
-                        <a:spcBef>
-                          <a:spcPts val="0"/>
-                        </a:spcBef>
-                        <a:spcAft>
-                          <a:spcPts val="0"/>
-                        </a:spcAft>
-                        <a:buClrTx/>
-                        <a:buSzTx/>
-                        <a:buFontTx/>
-                        <a:buNone/>
-                        <a:tabLst/>
-                        <a:defRPr/>
-                      </a:pPr>
-                      <a:r>
-                        <a:rPr lang="en-US" dirty="0"/>
-                        <a:t>Violence CFS </a:t>
-                      </a:r>
-                    </a:p>
-                    <a:p>
-                      <a:pPr>
-                        <a:lnSpc>
-                          <a:spcPct val="100000"/>
-                        </a:lnSpc>
-                        <a:spcBef>
-                          <a:spcPts val="0"/>
-                        </a:spcBef>
-                        <a:spcAft>
-                          <a:spcPts val="0"/>
-                        </a:spcAft>
-                      </a:pPr>
-                      <a:endParaRPr lang="en-US" sz="800" dirty="0"/>
-                    </a:p>
-                    <a:p>
-                      <a:pPr>
-                        <a:lnSpc>
-                          <a:spcPct val="100000"/>
-                        </a:lnSpc>
-                        <a:spcBef>
-                          <a:spcPts val="0"/>
-                        </a:spcBef>
-                        <a:spcAft>
-                          <a:spcPts val="0"/>
-                        </a:spcAft>
-                      </a:pPr>
-                      <a:r>
-                        <a:rPr lang="en-US" dirty="0"/>
-                        <a:t>Family CFS</a:t>
-                      </a:r>
-                    </a:p>
-                    <a:p>
-                      <a:pPr>
-                        <a:lnSpc>
-                          <a:spcPct val="100000"/>
-                        </a:lnSpc>
-                        <a:spcBef>
-                          <a:spcPts val="0"/>
-                        </a:spcBef>
-                        <a:spcAft>
-                          <a:spcPts val="0"/>
-                        </a:spcAft>
-                      </a:pPr>
-                      <a:endParaRPr lang="en-US" sz="800" dirty="0"/>
-                    </a:p>
-                    <a:p>
-                      <a:pPr>
-                        <a:lnSpc>
-                          <a:spcPct val="100000"/>
-                        </a:lnSpc>
-                        <a:spcBef>
-                          <a:spcPts val="0"/>
-                        </a:spcBef>
-                        <a:spcAft>
-                          <a:spcPts val="0"/>
-                        </a:spcAft>
-                      </a:pPr>
-                      <a:r>
-                        <a:rPr lang="en-US" dirty="0"/>
-                        <a:t>Substance CFS</a:t>
-                      </a:r>
-                    </a:p>
-                    <a:p>
-                      <a:endParaRPr lang="en-US" dirty="0"/>
-                    </a:p>
-                    <a:p>
-                      <a:r>
-                        <a:rPr lang="en-US" dirty="0"/>
-                        <a:t>=</a:t>
-                      </a:r>
-                    </a:p>
-                  </a:txBody>
-                  <a:tcPr>
-                    <a:noFill/>
-                  </a:tcPr>
-                </a:tc>
-                <a:extLst>
-                  <a:ext uri="{0D108BD9-81ED-4DB2-BD59-A6C34878D82A}">
-                    <a16:rowId xmlns:a16="http://schemas.microsoft.com/office/drawing/2014/main" val="2297717130"/>
-                  </a:ext>
-                </a:extLst>
-              </a:tr>
-            </a:tbl>
-          </a:graphicData>
-        </a:graphic>
-      </p:graphicFrame>
       <p:sp>
         <p:nvSpPr>
           <p:cNvPr id="2" name="TextBox 1">
@@ -5029,7 +4686,7 @@
             <a:avLst/>
           </a:prstGeom>
           <a:solidFill>
-            <a:srgbClr val="2A1F81"/>
+            <a:srgbClr val="FFFFFD"/>
           </a:solidFill>
           <a:ln>
             <a:solidFill>
@@ -5202,10 +4859,10 @@
       </p:pic>
       <p:pic>
         <p:nvPicPr>
-          <p:cNvPr id="12" name="Picture 11">
-            <a:extLst>
-              <a:ext uri="{FF2B5EF4-FFF2-40B4-BE49-F238E27FC236}">
-                <a16:creationId xmlns:a16="http://schemas.microsoft.com/office/drawing/2014/main" id="{FB5C4F7F-8718-4AE5-BA98-0B144198667B}"/>
+          <p:cNvPr id="3" name="Picture 2">
+            <a:extLst>
+              <a:ext uri="{FF2B5EF4-FFF2-40B4-BE49-F238E27FC236}">
+                <a16:creationId xmlns:a16="http://schemas.microsoft.com/office/drawing/2014/main" id="{F97DB2A5-026B-4094-9652-171880EF3267}"/>
               </a:ext>
             </a:extLst>
           </p:cNvPr>
@@ -5214,15 +4871,45 @@
           </p:cNvPicPr>
           <p:nvPr/>
         </p:nvPicPr>
+        <p:blipFill>
+          <a:blip r:embed="rId3"/>
+          <a:stretch>
+            <a:fillRect/>
+          </a:stretch>
+        </p:blipFill>
+        <p:spPr>
+          <a:xfrm>
+            <a:off x="8939992" y="3507381"/>
+            <a:ext cx="2394516" cy="1962423"/>
+          </a:xfrm>
+          <a:prstGeom prst="rect">
+            <a:avLst/>
+          </a:prstGeom>
+        </p:spPr>
+      </p:pic>
+      <p:pic>
+        <p:nvPicPr>
+          <p:cNvPr id="4" name="Picture 3">
+            <a:extLst>
+              <a:ext uri="{FF2B5EF4-FFF2-40B4-BE49-F238E27FC236}">
+                <a16:creationId xmlns:a16="http://schemas.microsoft.com/office/drawing/2014/main" id="{2250D3B2-4AD2-4331-B434-BF5A86270969}"/>
+              </a:ext>
+            </a:extLst>
+          </p:cNvPr>
+          <p:cNvPicPr>
+            <a:picLocks noChangeAspect="1"/>
+          </p:cNvPicPr>
+          <p:nvPr/>
+        </p:nvPicPr>
         <p:blipFill rotWithShape="1">
-          <a:blip r:embed="rId3"/>
-          <a:srcRect l="6115"/>
+          <a:blip r:embed="rId4"/>
+          <a:srcRect l="6632"/>
           <a:stretch/>
         </p:blipFill>
         <p:spPr>
           <a:xfrm>
-            <a:off x="4476206" y="0"/>
-            <a:ext cx="3465289" cy="6858000"/>
+            <a:off x="5628904" y="1387569"/>
+            <a:ext cx="1636591" cy="3315163"/>
           </a:xfrm>
           <a:prstGeom prst="rect">
             <a:avLst/>
